--- a/Assignment 1 – COMP-472 - presentation.pptx
+++ b/Assignment 1 – COMP-472 - presentation.pptx
@@ -10,12 +10,6 @@
     <p:sldId id="258" r:id="rId4"/>
     <p:sldId id="259" r:id="rId5"/>
     <p:sldId id="260" r:id="rId6"/>
-    <p:sldId id="264" r:id="rId7"/>
-    <p:sldId id="263" r:id="rId8"/>
-    <p:sldId id="261" r:id="rId9"/>
-    <p:sldId id="262" r:id="rId10"/>
-    <p:sldId id="265" r:id="rId11"/>
-    <p:sldId id="266" r:id="rId12"/>
   </p:sldIdLst>
   <p:sldSz cx="12192000" cy="6858000"/>
   <p:notesSz cx="6858000" cy="9144000"/>
@@ -4811,260 +4805,6 @@
 </p:sld>
 </file>
 
-<file path=ppt/slides/slide10.xml><?xml version="1.0" encoding="utf-8"?>
-<p:sld xmlns:a="http://schemas.openxmlformats.org/drawingml/2006/main" xmlns:r="http://schemas.openxmlformats.org/officeDocument/2006/relationships" xmlns:p="http://schemas.openxmlformats.org/presentationml/2006/main">
-  <p:cSld>
-    <p:spTree>
-      <p:nvGrpSpPr>
-        <p:cNvPr id="1" name=""/>
-        <p:cNvGrpSpPr/>
-        <p:nvPr/>
-      </p:nvGrpSpPr>
-      <p:grpSpPr>
-        <a:xfrm>
-          <a:off x="0" y="0"/>
-          <a:ext cx="0" cy="0"/>
-          <a:chOff x="0" y="0"/>
-          <a:chExt cx="0" cy="0"/>
-        </a:xfrm>
-      </p:grpSpPr>
-      <p:sp>
-        <p:nvSpPr>
-          <p:cNvPr id="2" name="Title 1">
-            <a:extLst>
-              <a:ext uri="{FF2B5EF4-FFF2-40B4-BE49-F238E27FC236}">
-                <a16:creationId xmlns:a16="http://schemas.microsoft.com/office/drawing/2014/main" id="{2ACB555D-9790-3CBA-4D4E-C7380F325459}"/>
-              </a:ext>
-            </a:extLst>
-          </p:cNvPr>
-          <p:cNvSpPr>
-            <a:spLocks noGrp="1"/>
-          </p:cNvSpPr>
-          <p:nvPr>
-            <p:ph type="title"/>
-          </p:nvPr>
-        </p:nvSpPr>
-        <p:spPr/>
-        <p:txBody>
-          <a:bodyPr/>
-          <a:lstStyle/>
-          <a:p>
-            <a:r>
-              <a:rPr lang="en-US" dirty="0"/>
-              <a:t>Penguin-performance.txt</a:t>
-            </a:r>
-            <a:endParaRPr lang="en-CA" dirty="0"/>
-          </a:p>
-        </p:txBody>
-      </p:sp>
-      <p:sp>
-        <p:nvSpPr>
-          <p:cNvPr id="3" name="Content Placeholder 2">
-            <a:extLst>
-              <a:ext uri="{FF2B5EF4-FFF2-40B4-BE49-F238E27FC236}">
-                <a16:creationId xmlns:a16="http://schemas.microsoft.com/office/drawing/2014/main" id="{DF1E3BCA-C90C-5BC8-E86B-026A77456F32}"/>
-              </a:ext>
-            </a:extLst>
-          </p:cNvPr>
-          <p:cNvSpPr>
-            <a:spLocks noGrp="1"/>
-          </p:cNvSpPr>
-          <p:nvPr>
-            <p:ph idx="1"/>
-          </p:nvPr>
-        </p:nvSpPr>
-        <p:spPr/>
-        <p:txBody>
-          <a:bodyPr/>
-          <a:lstStyle/>
-          <a:p>
-            <a:endParaRPr lang="en-CA"/>
-          </a:p>
-        </p:txBody>
-      </p:sp>
-      <p:pic>
-        <p:nvPicPr>
-          <p:cNvPr id="7" name="Picture 6">
-            <a:extLst>
-              <a:ext uri="{FF2B5EF4-FFF2-40B4-BE49-F238E27FC236}">
-                <a16:creationId xmlns:a16="http://schemas.microsoft.com/office/drawing/2014/main" id="{E99CBC65-D2B5-554F-64FE-67D43CA6AADD}"/>
-              </a:ext>
-            </a:extLst>
-          </p:cNvPr>
-          <p:cNvPicPr>
-            <a:picLocks noChangeAspect="1"/>
-          </p:cNvPicPr>
-          <p:nvPr/>
-        </p:nvPicPr>
-        <p:blipFill>
-          <a:blip r:embed="rId2"/>
-          <a:stretch>
-            <a:fillRect/>
-          </a:stretch>
-        </p:blipFill>
-        <p:spPr>
-          <a:xfrm>
-            <a:off x="2148508" y="1504871"/>
-            <a:ext cx="3096740" cy="5178582"/>
-          </a:xfrm>
-          <a:prstGeom prst="rect">
-            <a:avLst/>
-          </a:prstGeom>
-        </p:spPr>
-      </p:pic>
-      <p:pic>
-        <p:nvPicPr>
-          <p:cNvPr id="9" name="Picture 8">
-            <a:extLst>
-              <a:ext uri="{FF2B5EF4-FFF2-40B4-BE49-F238E27FC236}">
-                <a16:creationId xmlns:a16="http://schemas.microsoft.com/office/drawing/2014/main" id="{2CF17A38-4583-68F1-56D8-CF00B61D7D21}"/>
-              </a:ext>
-            </a:extLst>
-          </p:cNvPr>
-          <p:cNvPicPr>
-            <a:picLocks noChangeAspect="1"/>
-          </p:cNvPicPr>
-          <p:nvPr/>
-        </p:nvPicPr>
-        <p:blipFill>
-          <a:blip r:embed="rId3"/>
-          <a:stretch>
-            <a:fillRect/>
-          </a:stretch>
-        </p:blipFill>
-        <p:spPr>
-          <a:xfrm>
-            <a:off x="6404356" y="1504871"/>
-            <a:ext cx="3096740" cy="5172075"/>
-          </a:xfrm>
-          <a:prstGeom prst="rect">
-            <a:avLst/>
-          </a:prstGeom>
-        </p:spPr>
-      </p:pic>
-    </p:spTree>
-    <p:extLst>
-      <p:ext uri="{BB962C8B-B14F-4D97-AF65-F5344CB8AC3E}">
-        <p14:creationId xmlns:p14="http://schemas.microsoft.com/office/powerpoint/2010/main" val="2757262088"/>
-      </p:ext>
-    </p:extLst>
-  </p:cSld>
-  <p:clrMapOvr>
-    <a:masterClrMapping/>
-  </p:clrMapOvr>
-</p:sld>
-</file>
-
-<file path=ppt/slides/slide11.xml><?xml version="1.0" encoding="utf-8"?>
-<p:sld xmlns:a="http://schemas.openxmlformats.org/drawingml/2006/main" xmlns:r="http://schemas.openxmlformats.org/officeDocument/2006/relationships" xmlns:p="http://schemas.openxmlformats.org/presentationml/2006/main">
-  <p:cSld>
-    <p:spTree>
-      <p:nvGrpSpPr>
-        <p:cNvPr id="1" name=""/>
-        <p:cNvGrpSpPr/>
-        <p:nvPr/>
-      </p:nvGrpSpPr>
-      <p:grpSpPr>
-        <a:xfrm>
-          <a:off x="0" y="0"/>
-          <a:ext cx="0" cy="0"/>
-          <a:chOff x="0" y="0"/>
-          <a:chExt cx="0" cy="0"/>
-        </a:xfrm>
-      </p:grpSpPr>
-      <p:sp>
-        <p:nvSpPr>
-          <p:cNvPr id="2" name="Title 1">
-            <a:extLst>
-              <a:ext uri="{FF2B5EF4-FFF2-40B4-BE49-F238E27FC236}">
-                <a16:creationId xmlns:a16="http://schemas.microsoft.com/office/drawing/2014/main" id="{A8AE04EF-BC14-D4A0-D2CE-F8E4E190B1D2}"/>
-              </a:ext>
-            </a:extLst>
-          </p:cNvPr>
-          <p:cNvSpPr>
-            <a:spLocks noGrp="1"/>
-          </p:cNvSpPr>
-          <p:nvPr>
-            <p:ph type="title"/>
-          </p:nvPr>
-        </p:nvSpPr>
-        <p:spPr/>
-        <p:txBody>
-          <a:bodyPr/>
-          <a:lstStyle/>
-          <a:p>
-            <a:endParaRPr lang="en-CA"/>
-          </a:p>
-        </p:txBody>
-      </p:sp>
-      <p:sp>
-        <p:nvSpPr>
-          <p:cNvPr id="3" name="Content Placeholder 2">
-            <a:extLst>
-              <a:ext uri="{FF2B5EF4-FFF2-40B4-BE49-F238E27FC236}">
-                <a16:creationId xmlns:a16="http://schemas.microsoft.com/office/drawing/2014/main" id="{1194CD53-6889-53C9-2CDC-5AC5EAAB3B98}"/>
-              </a:ext>
-            </a:extLst>
-          </p:cNvPr>
-          <p:cNvSpPr>
-            <a:spLocks noGrp="1"/>
-          </p:cNvSpPr>
-          <p:nvPr>
-            <p:ph idx="1"/>
-          </p:nvPr>
-        </p:nvSpPr>
-        <p:spPr/>
-        <p:txBody>
-          <a:bodyPr/>
-          <a:lstStyle/>
-          <a:p>
-            <a:endParaRPr lang="en-CA"/>
-          </a:p>
-        </p:txBody>
-      </p:sp>
-      <p:pic>
-        <p:nvPicPr>
-          <p:cNvPr id="7" name="Picture 6">
-            <a:extLst>
-              <a:ext uri="{FF2B5EF4-FFF2-40B4-BE49-F238E27FC236}">
-                <a16:creationId xmlns:a16="http://schemas.microsoft.com/office/drawing/2014/main" id="{459163BF-6C42-8331-F9DD-1369FEFDAB6A}"/>
-              </a:ext>
-            </a:extLst>
-          </p:cNvPr>
-          <p:cNvPicPr>
-            <a:picLocks noChangeAspect="1"/>
-          </p:cNvPicPr>
-          <p:nvPr/>
-        </p:nvPicPr>
-        <p:blipFill>
-          <a:blip r:embed="rId2"/>
-          <a:stretch>
-            <a:fillRect/>
-          </a:stretch>
-        </p:blipFill>
-        <p:spPr>
-          <a:xfrm>
-            <a:off x="3729100" y="738568"/>
-            <a:ext cx="4563112" cy="5934903"/>
-          </a:xfrm>
-          <a:prstGeom prst="rect">
-            <a:avLst/>
-          </a:prstGeom>
-        </p:spPr>
-      </p:pic>
-    </p:spTree>
-    <p:extLst>
-      <p:ext uri="{BB962C8B-B14F-4D97-AF65-F5344CB8AC3E}">
-        <p14:creationId xmlns:p14="http://schemas.microsoft.com/office/powerpoint/2010/main" val="1437703168"/>
-      </p:ext>
-    </p:extLst>
-  </p:cSld>
-  <p:clrMapOvr>
-    <a:masterClrMapping/>
-  </p:clrMapOvr>
-</p:sld>
-</file>
-
 <file path=ppt/slides/slide2.xml><?xml version="1.0" encoding="utf-8"?>
 <p:sld xmlns:a="http://schemas.openxmlformats.org/drawingml/2006/main" xmlns:r="http://schemas.openxmlformats.org/officeDocument/2006/relationships" xmlns:p="http://schemas.openxmlformats.org/presentationml/2006/main">
   <p:cSld>
@@ -5172,8 +4912,8 @@
         </p:blipFill>
         <p:spPr>
           <a:xfrm>
-            <a:off x="0" y="5057429"/>
-            <a:ext cx="12192000" cy="1800570"/>
+            <a:off x="5161" y="5057429"/>
+            <a:ext cx="12181678" cy="1800571"/>
           </a:xfrm>
           <a:prstGeom prst="rect">
             <a:avLst/>
@@ -5275,7 +5015,7 @@
       </p:pic>
       <p:pic>
         <p:nvPicPr>
-          <p:cNvPr id="7" name="Picture 6" descr="A black and blue dots&#10;&#10;Description automatically generated">
+          <p:cNvPr id="7" name="Picture 6">
             <a:extLst>
               <a:ext uri="{FF2B5EF4-FFF2-40B4-BE49-F238E27FC236}">
                 <a16:creationId xmlns:a16="http://schemas.microsoft.com/office/drawing/2014/main" id="{A1467DFF-CAE3-63DC-5606-403848D33F06}"/>
@@ -5295,14 +5035,13 @@
               </a:ext>
             </a:extLst>
           </a:blip>
-          <a:stretch>
-            <a:fillRect/>
-          </a:stretch>
+          <a:srcRect/>
+          <a:stretch/>
         </p:blipFill>
         <p:spPr>
           <a:xfrm>
-            <a:off x="-1" y="5131394"/>
-            <a:ext cx="12192000" cy="1800120"/>
+            <a:off x="0" y="5131394"/>
+            <a:ext cx="12191998" cy="1800120"/>
           </a:xfrm>
           <a:prstGeom prst="rect">
             <a:avLst/>
@@ -5853,1047 +5592,6 @@
     <p:extLst>
       <p:ext uri="{BB962C8B-B14F-4D97-AF65-F5344CB8AC3E}">
         <p14:creationId xmlns:p14="http://schemas.microsoft.com/office/powerpoint/2010/main" val="1969302704"/>
-      </p:ext>
-    </p:extLst>
-  </p:cSld>
-  <p:clrMapOvr>
-    <a:masterClrMapping/>
-  </p:clrMapOvr>
-</p:sld>
-</file>
-
-<file path=ppt/slides/slide6.xml><?xml version="1.0" encoding="utf-8"?>
-<p:sld xmlns:a="http://schemas.openxmlformats.org/drawingml/2006/main" xmlns:r="http://schemas.openxmlformats.org/officeDocument/2006/relationships" xmlns:p="http://schemas.openxmlformats.org/presentationml/2006/main">
-  <p:cSld>
-    <p:bg>
-      <p:bgPr>
-        <a:solidFill>
-          <a:schemeClr val="bg2"/>
-        </a:solidFill>
-        <a:effectLst/>
-      </p:bgPr>
-    </p:bg>
-    <p:spTree>
-      <p:nvGrpSpPr>
-        <p:cNvPr id="1" name=""/>
-        <p:cNvGrpSpPr/>
-        <p:nvPr/>
-      </p:nvGrpSpPr>
-      <p:grpSpPr>
-        <a:xfrm>
-          <a:off x="0" y="0"/>
-          <a:ext cx="0" cy="0"/>
-          <a:chOff x="0" y="0"/>
-          <a:chExt cx="0" cy="0"/>
-        </a:xfrm>
-      </p:grpSpPr>
-      <p:sp useBgFill="1">
-        <p:nvSpPr>
-          <p:cNvPr id="18" name="Rectangle 17">
-            <a:extLst>
-              <a:ext uri="{FF2B5EF4-FFF2-40B4-BE49-F238E27FC236}">
-                <a16:creationId xmlns:a16="http://schemas.microsoft.com/office/drawing/2014/main" id="{DB66C9CD-6BF4-44CA-8078-0BB819080761}"/>
-              </a:ext>
-              <a:ext uri="{C183D7F6-B498-43B3-948B-1728B52AA6E4}">
-                <adec:decorative xmlns:adec="http://schemas.microsoft.com/office/drawing/2017/decorative" val="1"/>
-              </a:ext>
-            </a:extLst>
-          </p:cNvPr>
-          <p:cNvSpPr>
-            <a:spLocks noGrp="1" noRot="1" noChangeAspect="1" noMove="1" noResize="1" noEditPoints="1" noAdjustHandles="1" noChangeArrowheads="1" noChangeShapeType="1" noTextEdit="1"/>
-          </p:cNvSpPr>
-          <p:nvPr>
-            <p:extLst>
-              <p:ext uri="{386F3935-93C4-4BCD-93E2-E3B085C9AB24}">
-                <p16:designElem xmlns:p16="http://schemas.microsoft.com/office/powerpoint/2015/main" val="1"/>
-              </p:ext>
-            </p:extLst>
-          </p:nvPr>
-        </p:nvSpPr>
-        <p:spPr>
-          <a:xfrm>
-            <a:off x="0" y="0"/>
-            <a:ext cx="12192000" cy="6858000"/>
-          </a:xfrm>
-          <a:prstGeom prst="rect">
-            <a:avLst/>
-          </a:prstGeom>
-          <a:ln w="12700" cap="flat" cmpd="sng" algn="ctr">
-            <a:noFill/>
-            <a:prstDash val="solid"/>
-            <a:miter lim="800000"/>
-          </a:ln>
-          <a:effectLst/>
-          <a:extLst>
-            <a:ext uri="{91240B29-F687-4F45-9708-019B960494DF}">
-              <a14:hiddenLine xmlns:a14="http://schemas.microsoft.com/office/drawing/2010/main" w="12700" cap="flat" cmpd="sng" algn="ctr">
-                <a:solidFill>
-                  <a:schemeClr val="accent1">
-                    <a:shade val="50000"/>
-                  </a:schemeClr>
-                </a:solidFill>
-                <a:prstDash val="solid"/>
-                <a:miter lim="800000"/>
-              </a14:hiddenLine>
-            </a:ext>
-          </a:extLst>
-        </p:spPr>
-        <p:style>
-          <a:lnRef idx="2">
-            <a:schemeClr val="accent1">
-              <a:shade val="50000"/>
-            </a:schemeClr>
-          </a:lnRef>
-          <a:fillRef idx="1">
-            <a:schemeClr val="accent1"/>
-          </a:fillRef>
-          <a:effectRef idx="0">
-            <a:schemeClr val="accent1"/>
-          </a:effectRef>
-          <a:fontRef idx="minor">
-            <a:schemeClr val="lt1"/>
-          </a:fontRef>
-        </p:style>
-        <p:txBody>
-          <a:bodyPr rtlCol="0" anchor="ctr"/>
-          <a:lstStyle/>
-          <a:p>
-            <a:pPr algn="ctr"/>
-            <a:endParaRPr lang="en-US"/>
-          </a:p>
-        </p:txBody>
-      </p:sp>
-      <p:sp>
-        <p:nvSpPr>
-          <p:cNvPr id="2" name="Title 1">
-            <a:extLst>
-              <a:ext uri="{FF2B5EF4-FFF2-40B4-BE49-F238E27FC236}">
-                <a16:creationId xmlns:a16="http://schemas.microsoft.com/office/drawing/2014/main" id="{5FAA94D3-4ACB-910C-924D-B4BC63F5508A}"/>
-              </a:ext>
-            </a:extLst>
-          </p:cNvPr>
-          <p:cNvSpPr>
-            <a:spLocks noGrp="1"/>
-          </p:cNvSpPr>
-          <p:nvPr>
-            <p:ph type="title"/>
-          </p:nvPr>
-        </p:nvSpPr>
-        <p:spPr>
-          <a:xfrm>
-            <a:off x="989400" y="251461"/>
-            <a:ext cx="10213200" cy="1390902"/>
-          </a:xfrm>
-        </p:spPr>
-        <p:txBody>
-          <a:bodyPr anchor="ctr">
-            <a:normAutofit/>
-          </a:bodyPr>
-          <a:lstStyle/>
-          <a:p>
-            <a:pPr algn="ctr"/>
-            <a:r>
-              <a:rPr lang="en-US" sz="4800" dirty="0"/>
-              <a:t>Hyper parameters used for Top-DT</a:t>
-            </a:r>
-            <a:endParaRPr lang="en-CA" sz="4800" dirty="0"/>
-          </a:p>
-        </p:txBody>
-      </p:sp>
-      <p:cxnSp>
-        <p:nvCxnSpPr>
-          <p:cNvPr id="20" name="Straight Connector 19">
-            <a:extLst>
-              <a:ext uri="{FF2B5EF4-FFF2-40B4-BE49-F238E27FC236}">
-                <a16:creationId xmlns:a16="http://schemas.microsoft.com/office/drawing/2014/main" id="{D9BF9BF3-7E9D-458B-A5D2-E730C5FFD0CD}"/>
-              </a:ext>
-              <a:ext uri="{C183D7F6-B498-43B3-948B-1728B52AA6E4}">
-                <adec:decorative xmlns:adec="http://schemas.microsoft.com/office/drawing/2017/decorative" val="1"/>
-              </a:ext>
-            </a:extLst>
-          </p:cNvPr>
-          <p:cNvCxnSpPr>
-            <a:cxnSpLocks noGrp="1" noRot="1" noChangeAspect="1" noMove="1" noResize="1" noEditPoints="1" noAdjustHandles="1" noChangeArrowheads="1" noChangeShapeType="1"/>
-          </p:cNvCxnSpPr>
-          <p:nvPr>
-            <p:extLst>
-              <p:ext uri="{386F3935-93C4-4BCD-93E2-E3B085C9AB24}">
-                <p16:designElem xmlns:p16="http://schemas.microsoft.com/office/powerpoint/2015/main" val="1"/>
-              </p:ext>
-            </p:extLst>
-          </p:nvPr>
-        </p:nvCxnSpPr>
-        <p:spPr>
-          <a:xfrm>
-            <a:off x="5819649" y="1893832"/>
-            <a:ext cx="540000" cy="0"/>
-          </a:xfrm>
-          <a:prstGeom prst="line">
-            <a:avLst/>
-          </a:prstGeom>
-          <a:ln w="12700">
-            <a:solidFill>
-              <a:srgbClr val="FFFFFF"/>
-            </a:solidFill>
-          </a:ln>
-        </p:spPr>
-        <p:style>
-          <a:lnRef idx="1">
-            <a:schemeClr val="accent1"/>
-          </a:lnRef>
-          <a:fillRef idx="0">
-            <a:schemeClr val="accent1"/>
-          </a:fillRef>
-          <a:effectRef idx="0">
-            <a:schemeClr val="accent1"/>
-          </a:effectRef>
-          <a:fontRef idx="minor">
-            <a:schemeClr val="tx1"/>
-          </a:fontRef>
-        </p:style>
-      </p:cxnSp>
-      <p:sp>
-        <p:nvSpPr>
-          <p:cNvPr id="4" name="Content Placeholder 3">
-            <a:extLst>
-              <a:ext uri="{FF2B5EF4-FFF2-40B4-BE49-F238E27FC236}">
-                <a16:creationId xmlns:a16="http://schemas.microsoft.com/office/drawing/2014/main" id="{30413CDE-640C-F535-4ED5-32F30A5DC90D}"/>
-              </a:ext>
-            </a:extLst>
-          </p:cNvPr>
-          <p:cNvSpPr>
-            <a:spLocks noGrp="1"/>
-          </p:cNvSpPr>
-          <p:nvPr>
-            <p:ph idx="1"/>
-          </p:nvPr>
-        </p:nvSpPr>
-        <p:spPr>
-          <a:xfrm>
-            <a:off x="2397981" y="2190526"/>
-            <a:ext cx="7396035" cy="2925762"/>
-          </a:xfrm>
-        </p:spPr>
-        <p:txBody>
-          <a:bodyPr>
-            <a:normAutofit/>
-          </a:bodyPr>
-          <a:lstStyle/>
-          <a:p>
-            <a:pPr marL="259200" indent="-259200" defTabSz="658368">
-              <a:spcBef>
-                <a:spcPts val="720"/>
-              </a:spcBef>
-            </a:pPr>
-            <a:r>
-              <a:rPr lang="en-US" sz="2400" b="0" i="1" kern="1200" spc="36" baseline="0" dirty="0">
-                <a:solidFill>
-                  <a:schemeClr val="tx1">
-                    <a:alpha val="60000"/>
-                  </a:schemeClr>
-                </a:solidFill>
-                <a:latin typeface="+mn-lt"/>
-                <a:ea typeface="+mn-ea"/>
-                <a:cs typeface="+mn-cs"/>
-              </a:rPr>
-              <a:t>Criterion: </a:t>
-            </a:r>
-            <a:r>
-              <a:rPr lang="en-US" sz="2400" b="1" i="1" kern="1200" spc="36" baseline="0" dirty="0" err="1">
-                <a:solidFill>
-                  <a:schemeClr val="tx1">
-                    <a:alpha val="60000"/>
-                  </a:schemeClr>
-                </a:solidFill>
-                <a:latin typeface="+mn-lt"/>
-                <a:ea typeface="+mn-ea"/>
-                <a:cs typeface="+mn-cs"/>
-              </a:rPr>
-              <a:t>gini</a:t>
-            </a:r>
-            <a:r>
-              <a:rPr lang="en-US" sz="2400" b="0" i="1" kern="1200" spc="36" baseline="0" dirty="0">
-                <a:solidFill>
-                  <a:schemeClr val="tx1">
-                    <a:alpha val="60000"/>
-                  </a:schemeClr>
-                </a:solidFill>
-                <a:latin typeface="+mn-lt"/>
-                <a:ea typeface="+mn-ea"/>
-                <a:cs typeface="+mn-cs"/>
-              </a:rPr>
-              <a:t> </a:t>
-            </a:r>
-            <a:r>
-              <a:rPr lang="en-US" sz="2400" i="1" spc="36" dirty="0"/>
-              <a:t>for abalone data set,</a:t>
-            </a:r>
-            <a:r>
-              <a:rPr lang="en-US" sz="2400" b="0" i="1" kern="1200" spc="36" baseline="0" dirty="0">
-                <a:solidFill>
-                  <a:schemeClr val="tx1">
-                    <a:alpha val="60000"/>
-                  </a:schemeClr>
-                </a:solidFill>
-                <a:latin typeface="+mn-lt"/>
-                <a:ea typeface="+mn-ea"/>
-                <a:cs typeface="+mn-cs"/>
-              </a:rPr>
-              <a:t> </a:t>
-            </a:r>
-            <a:r>
-              <a:rPr lang="en-US" sz="2400" b="1" i="1" kern="1200" spc="36" baseline="0" dirty="0">
-                <a:solidFill>
-                  <a:schemeClr val="tx1">
-                    <a:alpha val="60000"/>
-                  </a:schemeClr>
-                </a:solidFill>
-                <a:latin typeface="+mn-lt"/>
-                <a:ea typeface="+mn-ea"/>
-                <a:cs typeface="+mn-cs"/>
-              </a:rPr>
-              <a:t>entropy</a:t>
-            </a:r>
-            <a:r>
-              <a:rPr lang="en-US" sz="2400" b="0" i="1" kern="1200" spc="36" baseline="0" dirty="0">
-                <a:solidFill>
-                  <a:schemeClr val="tx1">
-                    <a:alpha val="60000"/>
-                  </a:schemeClr>
-                </a:solidFill>
-                <a:latin typeface="+mn-lt"/>
-                <a:ea typeface="+mn-ea"/>
-                <a:cs typeface="+mn-cs"/>
-              </a:rPr>
-              <a:t> for penguin data set </a:t>
-            </a:r>
-          </a:p>
-          <a:p>
-            <a:pPr marL="259200" indent="-259200" defTabSz="658368">
-              <a:spcBef>
-                <a:spcPts val="720"/>
-              </a:spcBef>
-            </a:pPr>
-            <a:r>
-              <a:rPr lang="en-US" sz="2400" i="1" spc="36" dirty="0"/>
-              <a:t>M</a:t>
-            </a:r>
-            <a:r>
-              <a:rPr lang="en-US" sz="2400" b="0" i="1" kern="1200" spc="36" baseline="0" dirty="0">
-                <a:solidFill>
-                  <a:schemeClr val="tx1">
-                    <a:alpha val="60000"/>
-                  </a:schemeClr>
-                </a:solidFill>
-                <a:latin typeface="+mn-lt"/>
-                <a:ea typeface="+mn-ea"/>
-                <a:cs typeface="+mn-cs"/>
-              </a:rPr>
-              <a:t>ax depth : 5, 20, None </a:t>
-            </a:r>
-          </a:p>
-          <a:p>
-            <a:pPr marL="259200" indent="-259200" defTabSz="658368">
-              <a:spcBef>
-                <a:spcPts val="720"/>
-              </a:spcBef>
-            </a:pPr>
-            <a:r>
-              <a:rPr lang="en-US" sz="2400" i="1" spc="36" dirty="0"/>
-              <a:t>M</a:t>
-            </a:r>
-            <a:r>
-              <a:rPr lang="en-US" sz="2400" b="0" i="1" kern="1200" spc="36" baseline="0" dirty="0">
-                <a:solidFill>
-                  <a:schemeClr val="tx1">
-                    <a:alpha val="60000"/>
-                  </a:schemeClr>
-                </a:solidFill>
-                <a:latin typeface="+mn-lt"/>
-                <a:ea typeface="+mn-ea"/>
-                <a:cs typeface="+mn-cs"/>
-              </a:rPr>
-              <a:t>in samples split: 5, 8,10</a:t>
-            </a:r>
-            <a:endParaRPr lang="en-US" sz="3600" dirty="0"/>
-          </a:p>
-        </p:txBody>
-      </p:sp>
-      <p:pic>
-        <p:nvPicPr>
-          <p:cNvPr id="13" name="Picture 12">
-            <a:extLst>
-              <a:ext uri="{FF2B5EF4-FFF2-40B4-BE49-F238E27FC236}">
-                <a16:creationId xmlns:a16="http://schemas.microsoft.com/office/drawing/2014/main" id="{D4007B90-1174-5BFD-9D87-E85524234316}"/>
-              </a:ext>
-            </a:extLst>
-          </p:cNvPr>
-          <p:cNvPicPr>
-            <a:picLocks noChangeAspect="1"/>
-          </p:cNvPicPr>
-          <p:nvPr/>
-        </p:nvPicPr>
-        <p:blipFill>
-          <a:blip r:embed="rId2"/>
-          <a:stretch>
-            <a:fillRect/>
-          </a:stretch>
-        </p:blipFill>
-        <p:spPr>
-          <a:xfrm>
-            <a:off x="73152" y="5116288"/>
-            <a:ext cx="12045696" cy="573605"/>
-          </a:xfrm>
-          <a:prstGeom prst="rect">
-            <a:avLst/>
-          </a:prstGeom>
-        </p:spPr>
-      </p:pic>
-    </p:spTree>
-    <p:extLst>
-      <p:ext uri="{BB962C8B-B14F-4D97-AF65-F5344CB8AC3E}">
-        <p14:creationId xmlns:p14="http://schemas.microsoft.com/office/powerpoint/2010/main" val="628617240"/>
-      </p:ext>
-    </p:extLst>
-  </p:cSld>
-  <p:clrMapOvr>
-    <a:masterClrMapping/>
-  </p:clrMapOvr>
-</p:sld>
-</file>
-
-<file path=ppt/slides/slide7.xml><?xml version="1.0" encoding="utf-8"?>
-<p:sld xmlns:a="http://schemas.openxmlformats.org/drawingml/2006/main" xmlns:r="http://schemas.openxmlformats.org/officeDocument/2006/relationships" xmlns:p="http://schemas.openxmlformats.org/presentationml/2006/main">
-  <p:cSld>
-    <p:bg>
-      <p:bgPr>
-        <a:solidFill>
-          <a:schemeClr val="bg2"/>
-        </a:solidFill>
-        <a:effectLst/>
-      </p:bgPr>
-    </p:bg>
-    <p:spTree>
-      <p:nvGrpSpPr>
-        <p:cNvPr id="1" name=""/>
-        <p:cNvGrpSpPr/>
-        <p:nvPr/>
-      </p:nvGrpSpPr>
-      <p:grpSpPr>
-        <a:xfrm>
-          <a:off x="0" y="0"/>
-          <a:ext cx="0" cy="0"/>
-          <a:chOff x="0" y="0"/>
-          <a:chExt cx="0" cy="0"/>
-        </a:xfrm>
-      </p:grpSpPr>
-      <p:sp useBgFill="1">
-        <p:nvSpPr>
-          <p:cNvPr id="18" name="Rectangle 17">
-            <a:extLst>
-              <a:ext uri="{FF2B5EF4-FFF2-40B4-BE49-F238E27FC236}">
-                <a16:creationId xmlns:a16="http://schemas.microsoft.com/office/drawing/2014/main" id="{DB66C9CD-6BF4-44CA-8078-0BB819080761}"/>
-              </a:ext>
-              <a:ext uri="{C183D7F6-B498-43B3-948B-1728B52AA6E4}">
-                <adec:decorative xmlns:adec="http://schemas.microsoft.com/office/drawing/2017/decorative" val="1"/>
-              </a:ext>
-            </a:extLst>
-          </p:cNvPr>
-          <p:cNvSpPr>
-            <a:spLocks noGrp="1" noRot="1" noChangeAspect="1" noMove="1" noResize="1" noEditPoints="1" noAdjustHandles="1" noChangeArrowheads="1" noChangeShapeType="1" noTextEdit="1"/>
-          </p:cNvSpPr>
-          <p:nvPr>
-            <p:extLst>
-              <p:ext uri="{386F3935-93C4-4BCD-93E2-E3B085C9AB24}">
-                <p16:designElem xmlns:p16="http://schemas.microsoft.com/office/powerpoint/2015/main" val="1"/>
-              </p:ext>
-            </p:extLst>
-          </p:nvPr>
-        </p:nvSpPr>
-        <p:spPr>
-          <a:xfrm>
-            <a:off x="0" y="0"/>
-            <a:ext cx="12192000" cy="6858000"/>
-          </a:xfrm>
-          <a:prstGeom prst="rect">
-            <a:avLst/>
-          </a:prstGeom>
-          <a:ln w="12700" cap="flat" cmpd="sng" algn="ctr">
-            <a:noFill/>
-            <a:prstDash val="solid"/>
-            <a:miter lim="800000"/>
-          </a:ln>
-          <a:effectLst/>
-          <a:extLst>
-            <a:ext uri="{91240B29-F687-4F45-9708-019B960494DF}">
-              <a14:hiddenLine xmlns:a14="http://schemas.microsoft.com/office/drawing/2010/main" w="12700" cap="flat" cmpd="sng" algn="ctr">
-                <a:solidFill>
-                  <a:schemeClr val="accent1">
-                    <a:shade val="50000"/>
-                  </a:schemeClr>
-                </a:solidFill>
-                <a:prstDash val="solid"/>
-                <a:miter lim="800000"/>
-              </a14:hiddenLine>
-            </a:ext>
-          </a:extLst>
-        </p:spPr>
-        <p:style>
-          <a:lnRef idx="2">
-            <a:schemeClr val="accent1">
-              <a:shade val="50000"/>
-            </a:schemeClr>
-          </a:lnRef>
-          <a:fillRef idx="1">
-            <a:schemeClr val="accent1"/>
-          </a:fillRef>
-          <a:effectRef idx="0">
-            <a:schemeClr val="accent1"/>
-          </a:effectRef>
-          <a:fontRef idx="minor">
-            <a:schemeClr val="lt1"/>
-          </a:fontRef>
-        </p:style>
-        <p:txBody>
-          <a:bodyPr rtlCol="0" anchor="ctr"/>
-          <a:lstStyle/>
-          <a:p>
-            <a:pPr algn="ctr"/>
-            <a:endParaRPr lang="en-US"/>
-          </a:p>
-        </p:txBody>
-      </p:sp>
-      <p:sp>
-        <p:nvSpPr>
-          <p:cNvPr id="2" name="Title 1">
-            <a:extLst>
-              <a:ext uri="{FF2B5EF4-FFF2-40B4-BE49-F238E27FC236}">
-                <a16:creationId xmlns:a16="http://schemas.microsoft.com/office/drawing/2014/main" id="{5FAA94D3-4ACB-910C-924D-B4BC63F5508A}"/>
-              </a:ext>
-            </a:extLst>
-          </p:cNvPr>
-          <p:cNvSpPr>
-            <a:spLocks noGrp="1"/>
-          </p:cNvSpPr>
-          <p:nvPr>
-            <p:ph type="title"/>
-          </p:nvPr>
-        </p:nvSpPr>
-        <p:spPr>
-          <a:xfrm>
-            <a:off x="989400" y="251461"/>
-            <a:ext cx="10213200" cy="1390902"/>
-          </a:xfrm>
-        </p:spPr>
-        <p:txBody>
-          <a:bodyPr anchor="ctr">
-            <a:normAutofit/>
-          </a:bodyPr>
-          <a:lstStyle/>
-          <a:p>
-            <a:pPr algn="ctr"/>
-            <a:r>
-              <a:rPr lang="en-US" sz="4800" dirty="0"/>
-              <a:t>Hyper parameters used for Top-MLP</a:t>
-            </a:r>
-            <a:endParaRPr lang="en-CA" sz="4800" dirty="0"/>
-          </a:p>
-        </p:txBody>
-      </p:sp>
-      <p:cxnSp>
-        <p:nvCxnSpPr>
-          <p:cNvPr id="20" name="Straight Connector 19">
-            <a:extLst>
-              <a:ext uri="{FF2B5EF4-FFF2-40B4-BE49-F238E27FC236}">
-                <a16:creationId xmlns:a16="http://schemas.microsoft.com/office/drawing/2014/main" id="{D9BF9BF3-7E9D-458B-A5D2-E730C5FFD0CD}"/>
-              </a:ext>
-              <a:ext uri="{C183D7F6-B498-43B3-948B-1728B52AA6E4}">
-                <adec:decorative xmlns:adec="http://schemas.microsoft.com/office/drawing/2017/decorative" val="1"/>
-              </a:ext>
-            </a:extLst>
-          </p:cNvPr>
-          <p:cNvCxnSpPr>
-            <a:cxnSpLocks noGrp="1" noRot="1" noChangeAspect="1" noMove="1" noResize="1" noEditPoints="1" noAdjustHandles="1" noChangeArrowheads="1" noChangeShapeType="1"/>
-          </p:cNvCxnSpPr>
-          <p:nvPr>
-            <p:extLst>
-              <p:ext uri="{386F3935-93C4-4BCD-93E2-E3B085C9AB24}">
-                <p16:designElem xmlns:p16="http://schemas.microsoft.com/office/powerpoint/2015/main" val="1"/>
-              </p:ext>
-            </p:extLst>
-          </p:nvPr>
-        </p:nvCxnSpPr>
-        <p:spPr>
-          <a:xfrm>
-            <a:off x="5819649" y="1893832"/>
-            <a:ext cx="540000" cy="0"/>
-          </a:xfrm>
-          <a:prstGeom prst="line">
-            <a:avLst/>
-          </a:prstGeom>
-          <a:ln w="12700">
-            <a:solidFill>
-              <a:srgbClr val="FFFFFF"/>
-            </a:solidFill>
-          </a:ln>
-        </p:spPr>
-        <p:style>
-          <a:lnRef idx="1">
-            <a:schemeClr val="accent1"/>
-          </a:lnRef>
-          <a:fillRef idx="0">
-            <a:schemeClr val="accent1"/>
-          </a:fillRef>
-          <a:effectRef idx="0">
-            <a:schemeClr val="accent1"/>
-          </a:effectRef>
-          <a:fontRef idx="minor">
-            <a:schemeClr val="tx1"/>
-          </a:fontRef>
-        </p:style>
-      </p:cxnSp>
-      <p:sp>
-        <p:nvSpPr>
-          <p:cNvPr id="4" name="Content Placeholder 3">
-            <a:extLst>
-              <a:ext uri="{FF2B5EF4-FFF2-40B4-BE49-F238E27FC236}">
-                <a16:creationId xmlns:a16="http://schemas.microsoft.com/office/drawing/2014/main" id="{30413CDE-640C-F535-4ED5-32F30A5DC90D}"/>
-              </a:ext>
-            </a:extLst>
-          </p:cNvPr>
-          <p:cNvSpPr>
-            <a:spLocks noGrp="1"/>
-          </p:cNvSpPr>
-          <p:nvPr>
-            <p:ph idx="1"/>
-          </p:nvPr>
-        </p:nvSpPr>
-        <p:spPr>
-          <a:xfrm>
-            <a:off x="2397981" y="2190526"/>
-            <a:ext cx="7396035" cy="2925762"/>
-          </a:xfrm>
-        </p:spPr>
-        <p:txBody>
-          <a:bodyPr>
-            <a:normAutofit/>
-          </a:bodyPr>
-          <a:lstStyle/>
-          <a:p>
-            <a:pPr marL="259200" indent="-259200" defTabSz="658368">
-              <a:spcBef>
-                <a:spcPts val="720"/>
-              </a:spcBef>
-            </a:pPr>
-            <a:r>
-              <a:rPr lang="en-US" sz="2400" b="0" i="1" kern="1200" spc="36" baseline="0" dirty="0">
-                <a:solidFill>
-                  <a:schemeClr val="tx1">
-                    <a:alpha val="60000"/>
-                  </a:schemeClr>
-                </a:solidFill>
-                <a:latin typeface="+mn-lt"/>
-                <a:ea typeface="+mn-ea"/>
-                <a:cs typeface="+mn-cs"/>
-              </a:rPr>
-              <a:t>Criterion: </a:t>
-            </a:r>
-            <a:r>
-              <a:rPr lang="en-US" sz="2400" b="1" i="1" kern="1200" spc="36" baseline="0" dirty="0">
-                <a:solidFill>
-                  <a:schemeClr val="tx1">
-                    <a:alpha val="60000"/>
-                  </a:schemeClr>
-                </a:solidFill>
-                <a:latin typeface="+mn-lt"/>
-                <a:ea typeface="+mn-ea"/>
-                <a:cs typeface="+mn-cs"/>
-              </a:rPr>
-              <a:t>sigmoid</a:t>
-            </a:r>
-            <a:r>
-              <a:rPr lang="en-US" sz="2400" b="0" i="1" kern="1200" spc="36" baseline="0" dirty="0">
-                <a:solidFill>
-                  <a:schemeClr val="tx1">
-                    <a:alpha val="60000"/>
-                  </a:schemeClr>
-                </a:solidFill>
-                <a:latin typeface="+mn-lt"/>
-                <a:ea typeface="+mn-ea"/>
-                <a:cs typeface="+mn-cs"/>
-              </a:rPr>
-              <a:t> and </a:t>
-            </a:r>
-            <a:r>
-              <a:rPr lang="en-US" sz="2400" b="1" i="1" kern="1200" spc="36" baseline="0" dirty="0" err="1">
-                <a:solidFill>
-                  <a:schemeClr val="tx1">
-                    <a:alpha val="60000"/>
-                  </a:schemeClr>
-                </a:solidFill>
-                <a:latin typeface="+mn-lt"/>
-                <a:ea typeface="+mn-ea"/>
-                <a:cs typeface="+mn-cs"/>
-              </a:rPr>
-              <a:t>relu</a:t>
-            </a:r>
-            <a:r>
-              <a:rPr lang="en-US" sz="2400" b="0" i="1" kern="1200" spc="36" baseline="0" dirty="0">
-                <a:solidFill>
-                  <a:schemeClr val="tx1">
-                    <a:alpha val="60000"/>
-                  </a:schemeClr>
-                </a:solidFill>
-                <a:latin typeface="+mn-lt"/>
-                <a:ea typeface="+mn-ea"/>
-                <a:cs typeface="+mn-cs"/>
-              </a:rPr>
-              <a:t> for penguin data set, </a:t>
-            </a:r>
-            <a:r>
-              <a:rPr lang="en-US" sz="2400" b="1" i="1" kern="1200" spc="36" baseline="0" dirty="0">
-                <a:solidFill>
-                  <a:schemeClr val="tx1">
-                    <a:alpha val="60000"/>
-                  </a:schemeClr>
-                </a:solidFill>
-                <a:latin typeface="+mn-lt"/>
-                <a:ea typeface="+mn-ea"/>
-                <a:cs typeface="+mn-cs"/>
-              </a:rPr>
-              <a:t>tanh</a:t>
-            </a:r>
-            <a:r>
-              <a:rPr lang="en-US" sz="2400" b="0" i="1" kern="1200" spc="36" baseline="0" dirty="0">
-                <a:solidFill>
-                  <a:schemeClr val="tx1">
-                    <a:alpha val="60000"/>
-                  </a:schemeClr>
-                </a:solidFill>
-                <a:latin typeface="+mn-lt"/>
-                <a:ea typeface="+mn-ea"/>
-                <a:cs typeface="+mn-cs"/>
-              </a:rPr>
-              <a:t> for abalone dataset</a:t>
-            </a:r>
-          </a:p>
-          <a:p>
-            <a:pPr marL="259200" indent="-259200" defTabSz="658368">
-              <a:spcBef>
-                <a:spcPts val="720"/>
-              </a:spcBef>
-            </a:pPr>
-            <a:r>
-              <a:rPr lang="en-CA" sz="2400" i="1" spc="36" dirty="0"/>
-              <a:t>Network architectures: (30+50),(10+20+10)</a:t>
-            </a:r>
-          </a:p>
-          <a:p>
-            <a:pPr marL="259200" indent="-259200" defTabSz="658368">
-              <a:spcBef>
-                <a:spcPts val="720"/>
-              </a:spcBef>
-            </a:pPr>
-            <a:r>
-              <a:rPr lang="en-US" sz="2400" i="1" spc="36" dirty="0"/>
-              <a:t>Solver: Stochastic gradient descent, </a:t>
-            </a:r>
-            <a:r>
-              <a:rPr lang="en-US" sz="2400" i="1" spc="36" dirty="0" err="1"/>
-              <a:t>adam</a:t>
-            </a:r>
-            <a:endParaRPr lang="en-US" sz="3600" dirty="0"/>
-          </a:p>
-        </p:txBody>
-      </p:sp>
-      <p:pic>
-        <p:nvPicPr>
-          <p:cNvPr id="15" name="Picture 14">
-            <a:extLst>
-              <a:ext uri="{FF2B5EF4-FFF2-40B4-BE49-F238E27FC236}">
-                <a16:creationId xmlns:a16="http://schemas.microsoft.com/office/drawing/2014/main" id="{ADAF37E0-D026-E61A-A90B-00DBAAAA6B75}"/>
-              </a:ext>
-            </a:extLst>
-          </p:cNvPr>
-          <p:cNvPicPr>
-            <a:picLocks noChangeAspect="1"/>
-          </p:cNvPicPr>
-          <p:nvPr/>
-        </p:nvPicPr>
-        <p:blipFill>
-          <a:blip r:embed="rId2"/>
-          <a:stretch>
-            <a:fillRect/>
-          </a:stretch>
-        </p:blipFill>
-        <p:spPr>
-          <a:xfrm>
-            <a:off x="-6351" y="5056110"/>
-            <a:ext cx="12192000" cy="550429"/>
-          </a:xfrm>
-          <a:prstGeom prst="rect">
-            <a:avLst/>
-          </a:prstGeom>
-        </p:spPr>
-      </p:pic>
-    </p:spTree>
-    <p:extLst>
-      <p:ext uri="{BB962C8B-B14F-4D97-AF65-F5344CB8AC3E}">
-        <p14:creationId xmlns:p14="http://schemas.microsoft.com/office/powerpoint/2010/main" val="2987519959"/>
-      </p:ext>
-    </p:extLst>
-  </p:cSld>
-  <p:clrMapOvr>
-    <a:masterClrMapping/>
-  </p:clrMapOvr>
-</p:sld>
-</file>
-
-<file path=ppt/slides/slide8.xml><?xml version="1.0" encoding="utf-8"?>
-<p:sld xmlns:a="http://schemas.openxmlformats.org/drawingml/2006/main" xmlns:r="http://schemas.openxmlformats.org/officeDocument/2006/relationships" xmlns:p="http://schemas.openxmlformats.org/presentationml/2006/main">
-  <p:cSld>
-    <p:spTree>
-      <p:nvGrpSpPr>
-        <p:cNvPr id="1" name=""/>
-        <p:cNvGrpSpPr/>
-        <p:nvPr/>
-      </p:nvGrpSpPr>
-      <p:grpSpPr>
-        <a:xfrm>
-          <a:off x="0" y="0"/>
-          <a:ext cx="0" cy="0"/>
-          <a:chOff x="0" y="0"/>
-          <a:chExt cx="0" cy="0"/>
-        </a:xfrm>
-      </p:grpSpPr>
-      <p:sp>
-        <p:nvSpPr>
-          <p:cNvPr id="2" name="Title 1">
-            <a:extLst>
-              <a:ext uri="{FF2B5EF4-FFF2-40B4-BE49-F238E27FC236}">
-                <a16:creationId xmlns:a16="http://schemas.microsoft.com/office/drawing/2014/main" id="{2ACB555D-9790-3CBA-4D4E-C7380F325459}"/>
-              </a:ext>
-            </a:extLst>
-          </p:cNvPr>
-          <p:cNvSpPr>
-            <a:spLocks noGrp="1"/>
-          </p:cNvSpPr>
-          <p:nvPr>
-            <p:ph type="title"/>
-          </p:nvPr>
-        </p:nvSpPr>
-        <p:spPr/>
-        <p:txBody>
-          <a:bodyPr/>
-          <a:lstStyle/>
-          <a:p>
-            <a:r>
-              <a:rPr lang="en-US" dirty="0"/>
-              <a:t>Abalone-performance.txt</a:t>
-            </a:r>
-            <a:endParaRPr lang="en-CA" dirty="0"/>
-          </a:p>
-        </p:txBody>
-      </p:sp>
-      <p:sp>
-        <p:nvSpPr>
-          <p:cNvPr id="3" name="Content Placeholder 2">
-            <a:extLst>
-              <a:ext uri="{FF2B5EF4-FFF2-40B4-BE49-F238E27FC236}">
-                <a16:creationId xmlns:a16="http://schemas.microsoft.com/office/drawing/2014/main" id="{DF1E3BCA-C90C-5BC8-E86B-026A77456F32}"/>
-              </a:ext>
-            </a:extLst>
-          </p:cNvPr>
-          <p:cNvSpPr>
-            <a:spLocks noGrp="1"/>
-          </p:cNvSpPr>
-          <p:nvPr>
-            <p:ph idx="1"/>
-          </p:nvPr>
-        </p:nvSpPr>
-        <p:spPr/>
-        <p:txBody>
-          <a:bodyPr/>
-          <a:lstStyle/>
-          <a:p>
-            <a:endParaRPr lang="en-CA"/>
-          </a:p>
-        </p:txBody>
-      </p:sp>
-      <p:pic>
-        <p:nvPicPr>
-          <p:cNvPr id="4" name="Picture 3">
-            <a:extLst>
-              <a:ext uri="{FF2B5EF4-FFF2-40B4-BE49-F238E27FC236}">
-                <a16:creationId xmlns:a16="http://schemas.microsoft.com/office/drawing/2014/main" id="{58880147-975D-176C-DBB5-A86C74118441}"/>
-              </a:ext>
-            </a:extLst>
-          </p:cNvPr>
-          <p:cNvPicPr>
-            <a:picLocks noChangeAspect="1"/>
-          </p:cNvPicPr>
-          <p:nvPr/>
-        </p:nvPicPr>
-        <p:blipFill>
-          <a:blip r:embed="rId2"/>
-          <a:stretch>
-            <a:fillRect/>
-          </a:stretch>
-        </p:blipFill>
-        <p:spPr>
-          <a:xfrm>
-            <a:off x="6699180" y="1685925"/>
-            <a:ext cx="3013060" cy="4996500"/>
-          </a:xfrm>
-          <a:prstGeom prst="rect">
-            <a:avLst/>
-          </a:prstGeom>
-        </p:spPr>
-      </p:pic>
-      <p:pic>
-        <p:nvPicPr>
-          <p:cNvPr id="6" name="Picture 5">
-            <a:extLst>
-              <a:ext uri="{FF2B5EF4-FFF2-40B4-BE49-F238E27FC236}">
-                <a16:creationId xmlns:a16="http://schemas.microsoft.com/office/drawing/2014/main" id="{503E2CD2-CCD9-EC1A-7E75-CBBE4BE8BEB8}"/>
-              </a:ext>
-            </a:extLst>
-          </p:cNvPr>
-          <p:cNvPicPr>
-            <a:picLocks noChangeAspect="1"/>
-          </p:cNvPicPr>
-          <p:nvPr/>
-        </p:nvPicPr>
-        <p:blipFill>
-          <a:blip r:embed="rId3"/>
-          <a:stretch>
-            <a:fillRect/>
-          </a:stretch>
-        </p:blipFill>
-        <p:spPr>
-          <a:xfrm>
-            <a:off x="2507571" y="1685925"/>
-            <a:ext cx="2985251" cy="4996500"/>
-          </a:xfrm>
-          <a:prstGeom prst="rect">
-            <a:avLst/>
-          </a:prstGeom>
-        </p:spPr>
-      </p:pic>
-    </p:spTree>
-    <p:extLst>
-      <p:ext uri="{BB962C8B-B14F-4D97-AF65-F5344CB8AC3E}">
-        <p14:creationId xmlns:p14="http://schemas.microsoft.com/office/powerpoint/2010/main" val="3929826868"/>
-      </p:ext>
-    </p:extLst>
-  </p:cSld>
-  <p:clrMapOvr>
-    <a:masterClrMapping/>
-  </p:clrMapOvr>
-</p:sld>
-</file>
-
-<file path=ppt/slides/slide9.xml><?xml version="1.0" encoding="utf-8"?>
-<p:sld xmlns:a="http://schemas.openxmlformats.org/drawingml/2006/main" xmlns:r="http://schemas.openxmlformats.org/officeDocument/2006/relationships" xmlns:p="http://schemas.openxmlformats.org/presentationml/2006/main">
-  <p:cSld>
-    <p:spTree>
-      <p:nvGrpSpPr>
-        <p:cNvPr id="1" name=""/>
-        <p:cNvGrpSpPr/>
-        <p:nvPr/>
-      </p:nvGrpSpPr>
-      <p:grpSpPr>
-        <a:xfrm>
-          <a:off x="0" y="0"/>
-          <a:ext cx="0" cy="0"/>
-          <a:chOff x="0" y="0"/>
-          <a:chExt cx="0" cy="0"/>
-        </a:xfrm>
-      </p:grpSpPr>
-      <p:sp>
-        <p:nvSpPr>
-          <p:cNvPr id="2" name="Title 1">
-            <a:extLst>
-              <a:ext uri="{FF2B5EF4-FFF2-40B4-BE49-F238E27FC236}">
-                <a16:creationId xmlns:a16="http://schemas.microsoft.com/office/drawing/2014/main" id="{A8AE04EF-BC14-D4A0-D2CE-F8E4E190B1D2}"/>
-              </a:ext>
-            </a:extLst>
-          </p:cNvPr>
-          <p:cNvSpPr>
-            <a:spLocks noGrp="1"/>
-          </p:cNvSpPr>
-          <p:nvPr>
-            <p:ph type="title"/>
-          </p:nvPr>
-        </p:nvSpPr>
-        <p:spPr/>
-        <p:txBody>
-          <a:bodyPr/>
-          <a:lstStyle/>
-          <a:p>
-            <a:endParaRPr lang="en-CA"/>
-          </a:p>
-        </p:txBody>
-      </p:sp>
-      <p:sp>
-        <p:nvSpPr>
-          <p:cNvPr id="3" name="Content Placeholder 2">
-            <a:extLst>
-              <a:ext uri="{FF2B5EF4-FFF2-40B4-BE49-F238E27FC236}">
-                <a16:creationId xmlns:a16="http://schemas.microsoft.com/office/drawing/2014/main" id="{1194CD53-6889-53C9-2CDC-5AC5EAAB3B98}"/>
-              </a:ext>
-            </a:extLst>
-          </p:cNvPr>
-          <p:cNvSpPr>
-            <a:spLocks noGrp="1"/>
-          </p:cNvSpPr>
-          <p:nvPr>
-            <p:ph idx="1"/>
-          </p:nvPr>
-        </p:nvSpPr>
-        <p:spPr/>
-        <p:txBody>
-          <a:bodyPr/>
-          <a:lstStyle/>
-          <a:p>
-            <a:endParaRPr lang="en-CA"/>
-          </a:p>
-        </p:txBody>
-      </p:sp>
-      <p:pic>
-        <p:nvPicPr>
-          <p:cNvPr id="7" name="Picture 6">
-            <a:extLst>
-              <a:ext uri="{FF2B5EF4-FFF2-40B4-BE49-F238E27FC236}">
-                <a16:creationId xmlns:a16="http://schemas.microsoft.com/office/drawing/2014/main" id="{459163BF-6C42-8331-F9DD-1369FEFDAB6A}"/>
-              </a:ext>
-            </a:extLst>
-          </p:cNvPr>
-          <p:cNvPicPr>
-            <a:picLocks noChangeAspect="1"/>
-          </p:cNvPicPr>
-          <p:nvPr/>
-        </p:nvPicPr>
-        <p:blipFill>
-          <a:blip r:embed="rId2"/>
-          <a:stretch>
-            <a:fillRect/>
-          </a:stretch>
-        </p:blipFill>
-        <p:spPr>
-          <a:xfrm>
-            <a:off x="3729100" y="738568"/>
-            <a:ext cx="4563112" cy="5934903"/>
-          </a:xfrm>
-          <a:prstGeom prst="rect">
-            <a:avLst/>
-          </a:prstGeom>
-        </p:spPr>
-      </p:pic>
-    </p:spTree>
-    <p:extLst>
-      <p:ext uri="{BB962C8B-B14F-4D97-AF65-F5344CB8AC3E}">
-        <p14:creationId xmlns:p14="http://schemas.microsoft.com/office/powerpoint/2010/main" val="3749100973"/>
       </p:ext>
     </p:extLst>
   </p:cSld>
